--- a/docs/W-9 Working Document/W-9.3 Presentation Slides/Phase1/vms_progress.pptx
+++ b/docs/W-9 Working Document/W-9.3 Presentation Slides/Phase1/vms_progress.pptx
@@ -6349,7 +6349,7 @@
         </p:nvGraphicFramePr>
         <p:xfrm>
           <a:off x="381000" y="1524000"/>
-          <a:ext cx="8534400" cy="4607266"/>
+          <a:ext cx="8534400" cy="5179867"/>
         </p:xfrm>
         <a:graphic>
           <a:graphicData uri="http://schemas.openxmlformats.org/drawingml/2006/table">
@@ -6433,11 +6433,7 @@
                     <a:p>
                       <a:r>
                         <a:rPr lang="en-US" sz="1100" dirty="0" smtClean="0"/>
-                        <a:t>Actual Start </a:t>
-                      </a:r>
-                      <a:r>
-                        <a:rPr lang="en-US" sz="1100" dirty="0" smtClean="0"/>
-                        <a:t>Date</a:t>
+                        <a:t>Actual Start Date</a:t>
                       </a:r>
                       <a:endParaRPr lang="en-US" sz="1100" dirty="0"/>
                     </a:p>
@@ -6451,11 +6447,7 @@
                     <a:p>
                       <a:r>
                         <a:rPr lang="en-US" sz="1100" dirty="0" smtClean="0"/>
-                        <a:t>Actual End </a:t>
-                      </a:r>
-                      <a:r>
-                        <a:rPr lang="en-US" sz="1100" dirty="0" smtClean="0"/>
-                        <a:t>Date</a:t>
+                        <a:t>Actual End Date</a:t>
                       </a:r>
                       <a:endParaRPr lang="en-US" sz="1100" dirty="0"/>
                     </a:p>
@@ -8483,7 +8475,7 @@
                         </a:spcAft>
                       </a:pPr>
                       <a:r>
-                        <a:rPr lang="en-GB" sz="1000">
+                        <a:rPr lang="en-GB" sz="1000" dirty="0">
                           <a:solidFill>
                             <a:srgbClr val="000000"/>
                           </a:solidFill>
@@ -8493,7 +8485,7 @@
                         </a:rPr>
                         <a:t>07 Jul 2011</a:t>
                       </a:r>
-                      <a:endParaRPr lang="en-US" sz="1000">
+                      <a:endParaRPr lang="en-US" sz="1000" dirty="0">
                         <a:latin typeface="Arial"/>
                         <a:ea typeface="Times New Roman"/>
                         <a:cs typeface="Times New Roman"/>
@@ -8591,6 +8583,259 @@
                         </a:rPr>
                         <a:t>Open</a:t>
                       </a:r>
+                    </a:p>
+                  </a:txBody>
+                  <a:tcPr/>
+                </a:tc>
+                <a:tc>
+                  <a:txBody>
+                    <a:bodyPr/>
+                    <a:lstStyle/>
+                    <a:p>
+                      <a:endParaRPr lang="en-US" sz="1000" kern="1200" dirty="0" smtClean="0">
+                        <a:solidFill>
+                          <a:schemeClr val="dk1"/>
+                        </a:solidFill>
+                        <a:latin typeface="+mn-lt"/>
+                        <a:ea typeface="+mn-ea"/>
+                        <a:cs typeface="+mn-cs"/>
+                      </a:endParaRPr>
+                    </a:p>
+                  </a:txBody>
+                  <a:tcPr/>
+                </a:tc>
+              </a:tr>
+              <a:tr h="572601">
+                <a:tc>
+                  <a:txBody>
+                    <a:bodyPr/>
+                    <a:lstStyle/>
+                    <a:p>
+                      <a:r>
+                        <a:rPr lang="en-US" sz="1000" dirty="0" smtClean="0"/>
+                        <a:t>3.3</a:t>
+                      </a:r>
+                      <a:endParaRPr lang="en-US" sz="1000" dirty="0"/>
+                    </a:p>
+                  </a:txBody>
+                  <a:tcPr/>
+                </a:tc>
+                <a:tc>
+                  <a:txBody>
+                    <a:bodyPr/>
+                    <a:lstStyle/>
+                    <a:p>
+                      <a:pPr marL="54610" marR="0">
+                        <a:lnSpc>
+                          <a:spcPts val="1200"/>
+                        </a:lnSpc>
+                        <a:spcBef>
+                          <a:spcPts val="600"/>
+                        </a:spcBef>
+                        <a:spcAft>
+                          <a:spcPts val="0"/>
+                        </a:spcAft>
+                      </a:pPr>
+                      <a:r>
+                        <a:rPr lang="en-GB" sz="1000" kern="1200" dirty="0" smtClean="0">
+                          <a:solidFill>
+                            <a:schemeClr val="dk1"/>
+                          </a:solidFill>
+                          <a:latin typeface="+mn-lt"/>
+                          <a:ea typeface="+mn-ea"/>
+                          <a:cs typeface="+mn-cs"/>
+                        </a:rPr>
+                        <a:t>Produce Prototyping Study Report</a:t>
+                      </a:r>
+                      <a:endParaRPr lang="en-US" sz="1000" kern="1200" dirty="0" smtClean="0">
+                        <a:solidFill>
+                          <a:schemeClr val="dk1"/>
+                        </a:solidFill>
+                        <a:latin typeface="+mn-lt"/>
+                        <a:ea typeface="+mn-ea"/>
+                        <a:cs typeface="+mn-cs"/>
+                      </a:endParaRPr>
+                    </a:p>
+                  </a:txBody>
+                  <a:tcPr marL="68580" marR="68580" marT="0" marB="0"/>
+                </a:tc>
+                <a:tc>
+                  <a:txBody>
+                    <a:bodyPr/>
+                    <a:lstStyle/>
+                    <a:p>
+                      <a:pPr marL="7620" marR="0">
+                        <a:lnSpc>
+                          <a:spcPts val="1200"/>
+                        </a:lnSpc>
+                        <a:spcBef>
+                          <a:spcPts val="600"/>
+                        </a:spcBef>
+                        <a:spcAft>
+                          <a:spcPts val="0"/>
+                        </a:spcAft>
+                      </a:pPr>
+                      <a:r>
+                        <a:rPr lang="en-GB" sz="1000" dirty="0">
+                          <a:solidFill>
+                            <a:srgbClr val="000000"/>
+                          </a:solidFill>
+                          <a:latin typeface="Arial"/>
+                          <a:ea typeface="Times New Roman"/>
+                          <a:cs typeface="Arial"/>
+                        </a:rPr>
+                        <a:t>10 Apr 2011</a:t>
+                      </a:r>
+                      <a:endParaRPr lang="en-US" sz="1000" dirty="0">
+                        <a:latin typeface="Arial"/>
+                        <a:ea typeface="Times New Roman"/>
+                        <a:cs typeface="Times New Roman"/>
+                      </a:endParaRPr>
+                    </a:p>
+                  </a:txBody>
+                  <a:tcPr marL="68580" marR="68580" marT="0" marB="0"/>
+                </a:tc>
+                <a:tc>
+                  <a:txBody>
+                    <a:bodyPr/>
+                    <a:lstStyle/>
+                    <a:p>
+                      <a:pPr marL="7620" marR="0">
+                        <a:lnSpc>
+                          <a:spcPts val="1200"/>
+                        </a:lnSpc>
+                        <a:spcBef>
+                          <a:spcPts val="600"/>
+                        </a:spcBef>
+                        <a:spcAft>
+                          <a:spcPts val="0"/>
+                        </a:spcAft>
+                      </a:pPr>
+                      <a:r>
+                        <a:rPr lang="en-GB" sz="1000" dirty="0">
+                          <a:solidFill>
+                            <a:srgbClr val="000000"/>
+                          </a:solidFill>
+                          <a:latin typeface="Arial"/>
+                          <a:ea typeface="Times New Roman"/>
+                          <a:cs typeface="Arial"/>
+                        </a:rPr>
+                        <a:t>12 Jun 2011</a:t>
+                      </a:r>
+                      <a:endParaRPr lang="en-US" sz="1000" dirty="0">
+                        <a:latin typeface="Arial"/>
+                        <a:ea typeface="Times New Roman"/>
+                        <a:cs typeface="Times New Roman"/>
+                      </a:endParaRPr>
+                    </a:p>
+                  </a:txBody>
+                  <a:tcPr marL="68580" marR="68580" marT="0" marB="0"/>
+                </a:tc>
+                <a:tc>
+                  <a:txBody>
+                    <a:bodyPr/>
+                    <a:lstStyle/>
+                    <a:p>
+                      <a:endParaRPr lang="en-US" sz="1000" kern="1200" dirty="0" smtClean="0">
+                        <a:solidFill>
+                          <a:schemeClr val="dk1"/>
+                        </a:solidFill>
+                        <a:latin typeface="+mn-lt"/>
+                        <a:ea typeface="+mn-ea"/>
+                        <a:cs typeface="+mn-cs"/>
+                      </a:endParaRPr>
+                    </a:p>
+                  </a:txBody>
+                  <a:tcPr/>
+                </a:tc>
+                <a:tc>
+                  <a:txBody>
+                    <a:bodyPr/>
+                    <a:lstStyle/>
+                    <a:p>
+                      <a:endParaRPr lang="en-US" sz="1000" kern="1200" dirty="0" smtClean="0">
+                        <a:solidFill>
+                          <a:schemeClr val="dk1"/>
+                        </a:solidFill>
+                        <a:latin typeface="+mn-lt"/>
+                        <a:ea typeface="+mn-ea"/>
+                        <a:cs typeface="+mn-cs"/>
+                      </a:endParaRPr>
+                    </a:p>
+                  </a:txBody>
+                  <a:tcPr/>
+                </a:tc>
+                <a:tc>
+                  <a:txBody>
+                    <a:bodyPr/>
+                    <a:lstStyle/>
+                    <a:p>
+                      <a:pPr algn="ctr"/>
+                      <a:r>
+                        <a:rPr lang="en-US" sz="1000" kern="1200" smtClean="0">
+                          <a:solidFill>
+                            <a:schemeClr val="dk1"/>
+                          </a:solidFill>
+                          <a:latin typeface="+mn-lt"/>
+                          <a:ea typeface="+mn-ea"/>
+                          <a:cs typeface="+mn-cs"/>
+                        </a:rPr>
+                        <a:t>17.5</a:t>
+                      </a:r>
+                      <a:endParaRPr lang="en-US" sz="1000" kern="1200" dirty="0" smtClean="0">
+                        <a:solidFill>
+                          <a:schemeClr val="dk1"/>
+                        </a:solidFill>
+                        <a:latin typeface="+mn-lt"/>
+                        <a:ea typeface="+mn-ea"/>
+                        <a:cs typeface="+mn-cs"/>
+                      </a:endParaRPr>
+                    </a:p>
+                  </a:txBody>
+                  <a:tcPr/>
+                </a:tc>
+                <a:tc>
+                  <a:txBody>
+                    <a:bodyPr/>
+                    <a:lstStyle/>
+                    <a:p>
+                      <a:pPr algn="ctr"/>
+                      <a:endParaRPr lang="en-US" sz="1000" kern="1200" dirty="0" smtClean="0">
+                        <a:solidFill>
+                          <a:schemeClr val="dk1"/>
+                        </a:solidFill>
+                        <a:latin typeface="+mn-lt"/>
+                        <a:ea typeface="+mn-ea"/>
+                        <a:cs typeface="+mn-cs"/>
+                      </a:endParaRPr>
+                    </a:p>
+                  </a:txBody>
+                  <a:tcPr/>
+                </a:tc>
+                <a:tc>
+                  <a:txBody>
+                    <a:bodyPr/>
+                    <a:lstStyle/>
+                    <a:p>
+                      <a:r>
+                        <a:rPr lang="en-US" sz="1000" kern="1200" dirty="0" smtClean="0">
+                          <a:solidFill>
+                            <a:schemeClr val="dk1"/>
+                          </a:solidFill>
+                          <a:latin typeface="+mn-lt"/>
+                          <a:ea typeface="+mn-ea"/>
+                          <a:cs typeface="+mn-cs"/>
+                        </a:rPr>
+                        <a:t>Open</a:t>
+                      </a:r>
+                      <a:endParaRPr lang="en-US" sz="1000" kern="1200" dirty="0" smtClean="0">
+                        <a:solidFill>
+                          <a:schemeClr val="dk1"/>
+                        </a:solidFill>
+                        <a:latin typeface="+mn-lt"/>
+                        <a:ea typeface="+mn-ea"/>
+                        <a:cs typeface="+mn-cs"/>
+                      </a:endParaRPr>
                     </a:p>
                   </a:txBody>
                   <a:tcPr/>
